--- a/ASH_ACA_PWP.pptx
+++ b/ASH_ACA_PWP.pptx
@@ -4194,7 +4194,7 @@
 </file>
 
 <file path=ppt/slides/slide10.xml><?xml version="1.0" encoding="utf-8"?>
-<p:sld xmlns:a="http://schemas.openxmlformats.org/drawingml/2006/main" xmlns:r="http://schemas.openxmlformats.org/officeDocument/2006/relationships" xmlns:p="http://schemas.openxmlformats.org/presentationml/2006/main">
+<p:sld xmlns:a="http://schemas.openxmlformats.org/drawingml/2006/main" xmlns:r="http://schemas.openxmlformats.org/officeDocument/2006/relationships" xmlns:p="http://schemas.openxmlformats.org/presentationml/2006/main" show="0">
   <p:cSld>
     <p:spTree>
       <p:nvGrpSpPr>
@@ -19376,14 +19376,14 @@
           <p:nvPr>
             <p:extLst>
               <p:ext uri="{D42A27DB-BD31-4B8C-83A1-F6EECF244321}">
-                <p14:modId xmlns:p14="http://schemas.microsoft.com/office/powerpoint/2010/main" val="1728708336"/>
+                <p14:modId xmlns:p14="http://schemas.microsoft.com/office/powerpoint/2010/main" val="2886396718"/>
               </p:ext>
             </p:extLst>
           </p:nvPr>
         </p:nvGraphicFramePr>
         <p:xfrm>
-          <a:off x="495300" y="3439162"/>
-          <a:ext cx="17297399" cy="5666738"/>
+          <a:off x="3886200" y="2691520"/>
+          <a:ext cx="11277600" cy="6555178"/>
         </p:xfrm>
         <a:graphic>
           <a:graphicData uri="http://schemas.openxmlformats.org/drawingml/2006/table">
@@ -19392,49 +19392,28 @@
                 <a:tableStyleId>{5C22544A-7EE6-4342-B048-85BDC9FD1C3A}</a:tableStyleId>
               </a:tblPr>
               <a:tblGrid>
-                <a:gridCol w="2471057">
+                <a:gridCol w="2819400">
                   <a:extLst>
                     <a:ext uri="{9D8B030D-6E8A-4147-A177-3AD203B41FA5}">
                       <a16:colId xmlns:a16="http://schemas.microsoft.com/office/drawing/2014/main" val="3431704797"/>
                     </a:ext>
                   </a:extLst>
                 </a:gridCol>
-                <a:gridCol w="2471057">
-                  <a:extLst>
-                    <a:ext uri="{9D8B030D-6E8A-4147-A177-3AD203B41FA5}">
-                      <a16:colId xmlns:a16="http://schemas.microsoft.com/office/drawing/2014/main" val="1688168577"/>
-                    </a:ext>
-                  </a:extLst>
-                </a:gridCol>
-                <a:gridCol w="2471057">
+                <a:gridCol w="2819400">
                   <a:extLst>
                     <a:ext uri="{9D8B030D-6E8A-4147-A177-3AD203B41FA5}">
                       <a16:colId xmlns:a16="http://schemas.microsoft.com/office/drawing/2014/main" val="1162396975"/>
                     </a:ext>
                   </a:extLst>
                 </a:gridCol>
-                <a:gridCol w="2471057">
+                <a:gridCol w="2819400">
                   <a:extLst>
                     <a:ext uri="{9D8B030D-6E8A-4147-A177-3AD203B41FA5}">
                       <a16:colId xmlns:a16="http://schemas.microsoft.com/office/drawing/2014/main" val="3105563128"/>
                     </a:ext>
                   </a:extLst>
                 </a:gridCol>
-                <a:gridCol w="2471057">
-                  <a:extLst>
-                    <a:ext uri="{9D8B030D-6E8A-4147-A177-3AD203B41FA5}">
-                      <a16:colId xmlns:a16="http://schemas.microsoft.com/office/drawing/2014/main" val="968931202"/>
-                    </a:ext>
-                  </a:extLst>
-                </a:gridCol>
-                <a:gridCol w="2471057">
-                  <a:extLst>
-                    <a:ext uri="{9D8B030D-6E8A-4147-A177-3AD203B41FA5}">
-                      <a16:colId xmlns:a16="http://schemas.microsoft.com/office/drawing/2014/main" val="3721849277"/>
-                    </a:ext>
-                  </a:extLst>
-                </a:gridCol>
-                <a:gridCol w="2471057">
+                <a:gridCol w="2819400">
                   <a:extLst>
                     <a:ext uri="{9D8B030D-6E8A-4147-A177-3AD203B41FA5}">
                       <a16:colId xmlns:a16="http://schemas.microsoft.com/office/drawing/2014/main" val="422853721"/>
@@ -19442,7 +19421,7 @@
                   </a:extLst>
                 </a:gridCol>
               </a:tblGrid>
-              <a:tr h="909878">
+              <a:tr h="1310599">
                 <a:tc>
                   <a:txBody>
                     <a:bodyPr/>
@@ -19463,33 +19442,23 @@
                     </a:solidFill>
                   </a:tcPr>
                 </a:tc>
-                <a:tc gridSpan="3">
+                <a:tc gridSpan="2">
                   <a:txBody>
                     <a:bodyPr/>
                     <a:lstStyle/>
                     <a:p>
                       <a:pPr algn="ctr"/>
                       <a:r>
-                        <a:rPr lang="it-IT" sz="3600" dirty="0">
+                        <a:rPr lang="it-IT" sz="3600" b="1" kern="1200" dirty="0">
+                          <a:solidFill>
+                            <a:schemeClr val="lt1"/>
+                          </a:solidFill>
                           <a:latin typeface="Arial Black" panose="020B0A04020102020204" pitchFamily="34" charset="0"/>
+                          <a:ea typeface="+mn-ea"/>
+                          <a:cs typeface="+mn-cs"/>
                         </a:rPr>
                         <a:t>TIME</a:t>
                       </a:r>
-                    </a:p>
-                  </a:txBody>
-                  <a:tcPr anchor="ctr">
-                    <a:solidFill>
-                      <a:schemeClr val="accent1"/>
-                    </a:solidFill>
-                  </a:tcPr>
-                </a:tc>
-                <a:tc hMerge="1">
-                  <a:txBody>
-                    <a:bodyPr/>
-                    <a:lstStyle/>
-                    <a:p>
-                      <a:pPr algn="ctr"/>
-                      <a:endParaRPr lang="it-IT" sz="3600" dirty="0"/>
                     </a:p>
                   </a:txBody>
                   <a:tcPr anchor="ctr"/>
@@ -19505,44 +19474,23 @@
                   </a:txBody>
                   <a:tcPr anchor="ctr"/>
                 </a:tc>
-                <a:tc gridSpan="3">
+                <a:tc>
                   <a:txBody>
                     <a:bodyPr/>
                     <a:lstStyle/>
                     <a:p>
                       <a:pPr algn="ctr"/>
                       <a:r>
-                        <a:rPr lang="it-IT" sz="3600" dirty="0">
+                        <a:rPr lang="it-IT" sz="3600" b="1" kern="1200" dirty="0">
+                          <a:solidFill>
+                            <a:schemeClr val="lt1"/>
+                          </a:solidFill>
                           <a:latin typeface="Arial Black" panose="020B0A04020102020204" pitchFamily="34" charset="0"/>
+                          <a:ea typeface="+mn-ea"/>
+                          <a:cs typeface="+mn-cs"/>
                         </a:rPr>
-                        <a:t>SPEEDUP</a:t>
+                        <a:t>SPEED UP</a:t>
                       </a:r>
-                    </a:p>
-                  </a:txBody>
-                  <a:tcPr anchor="ctr">
-                    <a:solidFill>
-                      <a:schemeClr val="accent1"/>
-                    </a:solidFill>
-                  </a:tcPr>
-                </a:tc>
-                <a:tc hMerge="1">
-                  <a:txBody>
-                    <a:bodyPr/>
-                    <a:lstStyle/>
-                    <a:p>
-                      <a:pPr algn="ctr"/>
-                      <a:endParaRPr lang="it-IT" sz="3600" dirty="0"/>
-                    </a:p>
-                  </a:txBody>
-                  <a:tcPr anchor="ctr"/>
-                </a:tc>
-                <a:tc hMerge="1">
-                  <a:txBody>
-                    <a:bodyPr/>
-                    <a:lstStyle/>
-                    <a:p>
-                      <a:pPr algn="ctr"/>
-                      <a:endParaRPr lang="it-IT" sz="3600" dirty="0"/>
                     </a:p>
                   </a:txBody>
                   <a:tcPr anchor="ctr"/>
@@ -19553,7 +19501,7 @@
                   </a:ext>
                 </a:extLst>
               </a:tr>
-              <a:tr h="909878">
+              <a:tr h="1176179">
                 <a:tc>
                   <a:txBody>
                     <a:bodyPr/>
@@ -19568,28 +19516,6 @@
                           <a:latin typeface="Arial Black" panose="020B0A04020102020204" pitchFamily="34" charset="0"/>
                         </a:rPr>
                         <a:t>DIM BURST</a:t>
-                      </a:r>
-                    </a:p>
-                  </a:txBody>
-                  <a:tcPr anchor="ctr">
-                    <a:solidFill>
-                      <a:schemeClr val="bg1">
-                        <a:lumMod val="75000"/>
-                      </a:schemeClr>
-                    </a:solidFill>
-                  </a:tcPr>
-                </a:tc>
-                <a:tc>
-                  <a:txBody>
-                    <a:bodyPr/>
-                    <a:lstStyle/>
-                    <a:p>
-                      <a:pPr algn="ctr"/>
-                      <a:r>
-                        <a:rPr lang="it-IT" sz="3600" dirty="0">
-                          <a:latin typeface="Arial Black" panose="020B0A04020102020204" pitchFamily="34" charset="0"/>
-                        </a:rPr>
-                        <a:t>PYTHON</a:t>
                       </a:r>
                     </a:p>
                   </a:txBody>
@@ -19671,50 +19597,6 @@
                         <a:rPr lang="it-IT" sz="2000" dirty="0">
                           <a:latin typeface="Arial Black" panose="020B0A04020102020204" pitchFamily="34" charset="0"/>
                         </a:rPr>
-                        <a:t>SISD/PYTHON</a:t>
-                      </a:r>
-                    </a:p>
-                  </a:txBody>
-                  <a:tcPr anchor="ctr">
-                    <a:solidFill>
-                      <a:schemeClr val="bg1">
-                        <a:lumMod val="75000"/>
-                      </a:schemeClr>
-                    </a:solidFill>
-                  </a:tcPr>
-                </a:tc>
-                <a:tc>
-                  <a:txBody>
-                    <a:bodyPr/>
-                    <a:lstStyle/>
-                    <a:p>
-                      <a:pPr algn="ctr"/>
-                      <a:r>
-                        <a:rPr lang="it-IT" sz="2000" dirty="0">
-                          <a:latin typeface="Arial Black" panose="020B0A04020102020204" pitchFamily="34" charset="0"/>
-                        </a:rPr>
-                        <a:t>ASH/PYTHON</a:t>
-                      </a:r>
-                    </a:p>
-                  </a:txBody>
-                  <a:tcPr anchor="ctr">
-                    <a:solidFill>
-                      <a:schemeClr val="bg1">
-                        <a:lumMod val="75000"/>
-                      </a:schemeClr>
-                    </a:solidFill>
-                  </a:tcPr>
-                </a:tc>
-                <a:tc>
-                  <a:txBody>
-                    <a:bodyPr/>
-                    <a:lstStyle/>
-                    <a:p>
-                      <a:pPr algn="ctr"/>
-                      <a:r>
-                        <a:rPr lang="it-IT" sz="2000" dirty="0">
-                          <a:latin typeface="Arial Black" panose="020B0A04020102020204" pitchFamily="34" charset="0"/>
-                        </a:rPr>
                         <a:t>ASH/SISD</a:t>
                       </a:r>
                     </a:p>
@@ -19733,7 +19615,7 @@
                   </a:ext>
                 </a:extLst>
               </a:tr>
-              <a:tr h="922515">
+              <a:tr h="1017100">
                 <a:tc>
                   <a:txBody>
                     <a:bodyPr/>
@@ -19755,31 +19637,6 @@
                       </a:schemeClr>
                     </a:solidFill>
                   </a:tcPr>
-                </a:tc>
-                <a:tc>
-                  <a:txBody>
-                    <a:bodyPr/>
-                    <a:lstStyle/>
-                    <a:p>
-                      <a:pPr algn="ctr"/>
-                      <a:r>
-                        <a:rPr lang="it-IT" dirty="0">
-                          <a:latin typeface="Arial Black" panose="020B0A04020102020204" pitchFamily="34" charset="0"/>
-                        </a:rPr>
-                        <a:t>0.3 </a:t>
-                      </a:r>
-                      <a:r>
-                        <a:rPr lang="it-IT" dirty="0" err="1">
-                          <a:latin typeface="Arial Black" panose="020B0A04020102020204" pitchFamily="34" charset="0"/>
-                        </a:rPr>
-                        <a:t>ms</a:t>
-                      </a:r>
-                      <a:endParaRPr lang="it-IT" dirty="0">
-                        <a:latin typeface="Arial Black" panose="020B0A04020102020204" pitchFamily="34" charset="0"/>
-                      </a:endParaRPr>
-                    </a:p>
-                  </a:txBody>
-                  <a:tcPr anchor="ctr"/>
                 </a:tc>
                 <a:tc>
                   <a:txBody>
@@ -19841,45 +19698,6 @@
                         <a:rPr lang="it-IT" dirty="0">
                           <a:latin typeface="Arial Black" panose="020B0A04020102020204" pitchFamily="34" charset="0"/>
                         </a:rPr>
-                        <a:t>0.05</a:t>
-                      </a:r>
-                    </a:p>
-                  </a:txBody>
-                  <a:tcPr anchor="ctr">
-                    <a:solidFill>
-                      <a:schemeClr val="accent2">
-                        <a:lumMod val="40000"/>
-                        <a:lumOff val="60000"/>
-                      </a:schemeClr>
-                    </a:solidFill>
-                  </a:tcPr>
-                </a:tc>
-                <a:tc>
-                  <a:txBody>
-                    <a:bodyPr/>
-                    <a:lstStyle/>
-                    <a:p>
-                      <a:pPr algn="ctr"/>
-                      <a:r>
-                        <a:rPr lang="it-IT" dirty="0">
-                          <a:latin typeface="Arial Black" panose="020B0A04020102020204" pitchFamily="34" charset="0"/>
-                        </a:rPr>
-                        <a:t>6.75</a:t>
-                      </a:r>
-                    </a:p>
-                  </a:txBody>
-                  <a:tcPr anchor="ctr"/>
-                </a:tc>
-                <a:tc>
-                  <a:txBody>
-                    <a:bodyPr/>
-                    <a:lstStyle/>
-                    <a:p>
-                      <a:pPr algn="ctr"/>
-                      <a:r>
-                        <a:rPr lang="it-IT" dirty="0">
-                          <a:latin typeface="Arial Black" panose="020B0A04020102020204" pitchFamily="34" charset="0"/>
-                        </a:rPr>
                         <a:t>109.65</a:t>
                       </a:r>
                     </a:p>
@@ -19899,7 +19717,7 @@
                   </a:ext>
                 </a:extLst>
               </a:tr>
-              <a:tr h="922515">
+              <a:tr h="1017100">
                 <a:tc>
                   <a:txBody>
                     <a:bodyPr/>
@@ -19921,47 +19739,6 @@
                       </a:schemeClr>
                     </a:solidFill>
                   </a:tcPr>
-                </a:tc>
-                <a:tc>
-                  <a:txBody>
-                    <a:bodyPr/>
-                    <a:lstStyle/>
-                    <a:p>
-                      <a:pPr marL="0" marR="0" lvl="0" indent="0" algn="ctr" defTabSz="914400" rtl="0" eaLnBrk="1" fontAlgn="auto" latinLnBrk="0" hangingPunct="1">
-                        <a:lnSpc>
-                          <a:spcPct val="100000"/>
-                        </a:lnSpc>
-                        <a:spcBef>
-                          <a:spcPts val="0"/>
-                        </a:spcBef>
-                        <a:spcAft>
-                          <a:spcPts val="0"/>
-                        </a:spcAft>
-                        <a:buClrTx/>
-                        <a:buSzTx/>
-                        <a:buFontTx/>
-                        <a:buNone/>
-                        <a:tabLst/>
-                        <a:defRPr/>
-                      </a:pPr>
-                      <a:r>
-                        <a:rPr lang="it-IT" dirty="0">
-                          <a:latin typeface="Arial Black" panose="020B0A04020102020204" pitchFamily="34" charset="0"/>
-                        </a:rPr>
-                        <a:t>0.538 </a:t>
-                      </a:r>
-                      <a:r>
-                        <a:rPr lang="it-IT" dirty="0" err="1">
-                          <a:latin typeface="Arial Black" panose="020B0A04020102020204" pitchFamily="34" charset="0"/>
-                        </a:rPr>
-                        <a:t>ms</a:t>
-                      </a:r>
-                      <a:endParaRPr lang="it-IT" dirty="0">
-                        <a:latin typeface="Arial Black" panose="020B0A04020102020204" pitchFamily="34" charset="0"/>
-                      </a:endParaRPr>
-                    </a:p>
-                  </a:txBody>
-                  <a:tcPr anchor="ctr"/>
                 </a:tc>
                 <a:tc>
                   <a:txBody>
@@ -20039,45 +19816,6 @@
                         <a:rPr lang="it-IT" dirty="0">
                           <a:latin typeface="Arial Black" panose="020B0A04020102020204" pitchFamily="34" charset="0"/>
                         </a:rPr>
-                        <a:t>0.05</a:t>
-                      </a:r>
-                    </a:p>
-                  </a:txBody>
-                  <a:tcPr anchor="ctr">
-                    <a:solidFill>
-                      <a:schemeClr val="accent2">
-                        <a:lumMod val="40000"/>
-                        <a:lumOff val="60000"/>
-                      </a:schemeClr>
-                    </a:solidFill>
-                  </a:tcPr>
-                </a:tc>
-                <a:tc>
-                  <a:txBody>
-                    <a:bodyPr/>
-                    <a:lstStyle/>
-                    <a:p>
-                      <a:pPr algn="ctr"/>
-                      <a:r>
-                        <a:rPr lang="it-IT" dirty="0">
-                          <a:latin typeface="Arial Black" panose="020B0A04020102020204" pitchFamily="34" charset="0"/>
-                        </a:rPr>
-                        <a:t>8.01</a:t>
-                      </a:r>
-                    </a:p>
-                  </a:txBody>
-                  <a:tcPr anchor="ctr"/>
-                </a:tc>
-                <a:tc>
-                  <a:txBody>
-                    <a:bodyPr/>
-                    <a:lstStyle/>
-                    <a:p>
-                      <a:pPr algn="ctr"/>
-                      <a:r>
-                        <a:rPr lang="it-IT" dirty="0">
-                          <a:latin typeface="Arial Black" panose="020B0A04020102020204" pitchFamily="34" charset="0"/>
-                        </a:rPr>
                         <a:t>151.76</a:t>
                       </a:r>
                     </a:p>
@@ -20097,7 +19835,7 @@
                   </a:ext>
                 </a:extLst>
               </a:tr>
-              <a:tr h="922515">
+              <a:tr h="1017100">
                 <a:tc>
                   <a:txBody>
                     <a:bodyPr/>
@@ -20119,31 +19857,6 @@
                       </a:schemeClr>
                     </a:solidFill>
                   </a:tcPr>
-                </a:tc>
-                <a:tc>
-                  <a:txBody>
-                    <a:bodyPr/>
-                    <a:lstStyle/>
-                    <a:p>
-                      <a:pPr algn="ctr"/>
-                      <a:r>
-                        <a:rPr lang="it-IT" dirty="0">
-                          <a:latin typeface="Arial Black" panose="020B0A04020102020204" pitchFamily="34" charset="0"/>
-                        </a:rPr>
-                        <a:t>0.954 </a:t>
-                      </a:r>
-                      <a:r>
-                        <a:rPr lang="it-IT" dirty="0" err="1">
-                          <a:latin typeface="Arial Black" panose="020B0A04020102020204" pitchFamily="34" charset="0"/>
-                        </a:rPr>
-                        <a:t>ms</a:t>
-                      </a:r>
-                      <a:endParaRPr lang="it-IT" dirty="0">
-                        <a:latin typeface="Arial Black" panose="020B0A04020102020204" pitchFamily="34" charset="0"/>
-                      </a:endParaRPr>
-                    </a:p>
-                  </a:txBody>
-                  <a:tcPr anchor="ctr"/>
                 </a:tc>
                 <a:tc>
                   <a:txBody>
@@ -20205,45 +19918,6 @@
                         <a:rPr lang="it-IT" dirty="0">
                           <a:latin typeface="Arial Black" panose="020B0A04020102020204" pitchFamily="34" charset="0"/>
                         </a:rPr>
-                        <a:t>0.05</a:t>
-                      </a:r>
-                    </a:p>
-                  </a:txBody>
-                  <a:tcPr anchor="ctr">
-                    <a:solidFill>
-                      <a:schemeClr val="accent2">
-                        <a:lumMod val="40000"/>
-                        <a:lumOff val="60000"/>
-                      </a:schemeClr>
-                    </a:solidFill>
-                  </a:tcPr>
-                </a:tc>
-                <a:tc>
-                  <a:txBody>
-                    <a:bodyPr/>
-                    <a:lstStyle/>
-                    <a:p>
-                      <a:pPr algn="ctr"/>
-                      <a:r>
-                        <a:rPr lang="it-IT" dirty="0">
-                          <a:latin typeface="Arial Black" panose="020B0A04020102020204" pitchFamily="34" charset="0"/>
-                        </a:rPr>
-                        <a:t>11.34</a:t>
-                      </a:r>
-                    </a:p>
-                  </a:txBody>
-                  <a:tcPr anchor="ctr"/>
-                </a:tc>
-                <a:tc>
-                  <a:txBody>
-                    <a:bodyPr/>
-                    <a:lstStyle/>
-                    <a:p>
-                      <a:pPr algn="ctr"/>
-                      <a:r>
-                        <a:rPr lang="it-IT" dirty="0">
-                          <a:latin typeface="Arial Black" panose="020B0A04020102020204" pitchFamily="34" charset="0"/>
-                        </a:rPr>
                         <a:t>239.26</a:t>
                       </a:r>
                     </a:p>
@@ -20263,7 +19937,7 @@
                   </a:ext>
                 </a:extLst>
               </a:tr>
-              <a:tr h="922515">
+              <a:tr h="1017100">
                 <a:tc>
                   <a:txBody>
                     <a:bodyPr/>
@@ -20285,31 +19959,6 @@
                       </a:schemeClr>
                     </a:solidFill>
                   </a:tcPr>
-                </a:tc>
-                <a:tc>
-                  <a:txBody>
-                    <a:bodyPr/>
-                    <a:lstStyle/>
-                    <a:p>
-                      <a:pPr algn="ctr"/>
-                      <a:r>
-                        <a:rPr lang="it-IT" dirty="0">
-                          <a:latin typeface="Arial Black" panose="020B0A04020102020204" pitchFamily="34" charset="0"/>
-                        </a:rPr>
-                        <a:t>2.00 </a:t>
-                      </a:r>
-                      <a:r>
-                        <a:rPr lang="it-IT" dirty="0" err="1">
-                          <a:latin typeface="Arial Black" panose="020B0A04020102020204" pitchFamily="34" charset="0"/>
-                        </a:rPr>
-                        <a:t>ms</a:t>
-                      </a:r>
-                      <a:endParaRPr lang="it-IT" dirty="0">
-                        <a:latin typeface="Arial Black" panose="020B0A04020102020204" pitchFamily="34" charset="0"/>
-                      </a:endParaRPr>
-                    </a:p>
-                  </a:txBody>
-                  <a:tcPr anchor="ctr"/>
                 </a:tc>
                 <a:tc>
                   <a:txBody>
@@ -20357,45 +20006,6 @@
                       <a:endParaRPr lang="it-IT" dirty="0">
                         <a:latin typeface="Arial Black" panose="020B0A04020102020204" pitchFamily="34" charset="0"/>
                       </a:endParaRPr>
-                    </a:p>
-                  </a:txBody>
-                  <a:tcPr anchor="ctr"/>
-                </a:tc>
-                <a:tc>
-                  <a:txBody>
-                    <a:bodyPr/>
-                    <a:lstStyle/>
-                    <a:p>
-                      <a:pPr algn="ctr"/>
-                      <a:r>
-                        <a:rPr lang="it-IT" dirty="0">
-                          <a:latin typeface="Arial Black" panose="020B0A04020102020204" pitchFamily="34" charset="0"/>
-                        </a:rPr>
-                        <a:t>0.05</a:t>
-                      </a:r>
-                    </a:p>
-                  </a:txBody>
-                  <a:tcPr anchor="ctr">
-                    <a:solidFill>
-                      <a:schemeClr val="accent2">
-                        <a:lumMod val="40000"/>
-                        <a:lumOff val="60000"/>
-                      </a:schemeClr>
-                    </a:solidFill>
-                  </a:tcPr>
-                </a:tc>
-                <a:tc>
-                  <a:txBody>
-                    <a:bodyPr/>
-                    <a:lstStyle/>
-                    <a:p>
-                      <a:pPr algn="ctr"/>
-                      <a:r>
-                        <a:rPr lang="it-IT" dirty="0">
-                          <a:latin typeface="Arial Black" panose="020B0A04020102020204" pitchFamily="34" charset="0"/>
-                        </a:rPr>
-                        <a:t>13.25</a:t>
-                      </a:r>
                     </a:p>
                   </a:txBody>
                   <a:tcPr anchor="ctr"/>
